--- a/docs/draw-sound-live-v1.pptx
+++ b/docs/draw-sound-live-v1.pptx
@@ -5,24 +5,23 @@
     <p:sldMasterId id="2147483697" r:id="rId1"/>
   </p:sldMasterIdLst>
   <p:notesMasterIdLst>
-    <p:notesMasterId r:id="rId9"/>
+    <p:notesMasterId r:id="rId8"/>
   </p:notesMasterIdLst>
   <p:handoutMasterIdLst>
-    <p:handoutMasterId r:id="rId10"/>
+    <p:handoutMasterId r:id="rId9"/>
   </p:handoutMasterIdLst>
   <p:sldIdLst>
     <p:sldId id="453" r:id="rId2"/>
     <p:sldId id="486" r:id="rId3"/>
-    <p:sldId id="501" r:id="rId4"/>
-    <p:sldId id="489" r:id="rId5"/>
-    <p:sldId id="492" r:id="rId6"/>
-    <p:sldId id="495" r:id="rId7"/>
-    <p:sldId id="490" r:id="rId8"/>
+    <p:sldId id="502" r:id="rId4"/>
+    <p:sldId id="501" r:id="rId5"/>
+    <p:sldId id="489" r:id="rId6"/>
+    <p:sldId id="492" r:id="rId7"/>
   </p:sldIdLst>
   <p:sldSz cx="12188825" cy="6858000"/>
   <p:notesSz cx="6858000" cy="9144000"/>
   <p:custDataLst>
-    <p:tags r:id="rId11"/>
+    <p:tags r:id="rId10"/>
   </p:custDataLst>
   <p:defaultTextStyle>
     <a:defPPr>
@@ -1020,7 +1019,7 @@
     </p:spTree>
     <p:extLst>
       <p:ext uri="{BB962C8B-B14F-4D97-AF65-F5344CB8AC3E}">
-        <p14:creationId xmlns:p14="http://schemas.microsoft.com/office/powerpoint/2010/main" val="4071048970"/>
+        <p14:creationId xmlns:p14="http://schemas.microsoft.com/office/powerpoint/2010/main" val="106512723"/>
       </p:ext>
     </p:extLst>
   </p:cSld>
@@ -1151,7 +1150,7 @@
     </p:spTree>
     <p:extLst>
       <p:ext uri="{BB962C8B-B14F-4D97-AF65-F5344CB8AC3E}">
-        <p14:creationId xmlns:p14="http://schemas.microsoft.com/office/powerpoint/2010/main" val="2702097265"/>
+        <p14:creationId xmlns:p14="http://schemas.microsoft.com/office/powerpoint/2010/main" val="4071048970"/>
       </p:ext>
     </p:extLst>
   </p:cSld>
@@ -1282,7 +1281,7 @@
     </p:spTree>
     <p:extLst>
       <p:ext uri="{BB962C8B-B14F-4D97-AF65-F5344CB8AC3E}">
-        <p14:creationId xmlns:p14="http://schemas.microsoft.com/office/powerpoint/2010/main" val="1256038717"/>
+        <p14:creationId xmlns:p14="http://schemas.microsoft.com/office/powerpoint/2010/main" val="2702097265"/>
       </p:ext>
     </p:extLst>
   </p:cSld>
@@ -1413,138 +1412,7 @@
     </p:spTree>
     <p:extLst>
       <p:ext uri="{BB962C8B-B14F-4D97-AF65-F5344CB8AC3E}">
-        <p14:creationId xmlns:p14="http://schemas.microsoft.com/office/powerpoint/2010/main" val="58509454"/>
-      </p:ext>
-    </p:extLst>
-  </p:cSld>
-  <p:clrMapOvr>
-    <a:masterClrMapping/>
-  </p:clrMapOvr>
-</p:notes>
-</file>
-
-<file path=ppt/notesSlides/notesSlide7.xml><?xml version="1.0" encoding="utf-8"?>
-<p:notes xmlns:a="http://schemas.openxmlformats.org/drawingml/2006/main" xmlns:r="http://schemas.openxmlformats.org/officeDocument/2006/relationships" xmlns:p="http://schemas.openxmlformats.org/presentationml/2006/main">
-  <p:cSld>
-    <p:spTree>
-      <p:nvGrpSpPr>
-        <p:cNvPr id="1" name=""/>
-        <p:cNvGrpSpPr/>
-        <p:nvPr/>
-      </p:nvGrpSpPr>
-      <p:grpSpPr>
-        <a:xfrm>
-          <a:off x="0" y="0"/>
-          <a:ext cx="0" cy="0"/>
-          <a:chOff x="0" y="0"/>
-          <a:chExt cx="0" cy="0"/>
-        </a:xfrm>
-      </p:grpSpPr>
-      <p:sp>
-        <p:nvSpPr>
-          <p:cNvPr id="2" name="Slide Image Placeholder 1"/>
-          <p:cNvSpPr>
-            <a:spLocks noGrp="1" noRot="1" noChangeAspect="1"/>
-          </p:cNvSpPr>
-          <p:nvPr>
-            <p:ph type="sldImg"/>
-          </p:nvPr>
-        </p:nvSpPr>
-        <p:spPr/>
-      </p:sp>
-      <p:sp>
-        <p:nvSpPr>
-          <p:cNvPr id="3" name="Notes Placeholder 2"/>
-          <p:cNvSpPr>
-            <a:spLocks noGrp="1"/>
-          </p:cNvSpPr>
-          <p:nvPr>
-            <p:ph type="body" idx="1"/>
-          </p:nvPr>
-        </p:nvSpPr>
-        <p:spPr/>
-        <p:txBody>
-          <a:bodyPr>
-            <a:normAutofit/>
-          </a:bodyPr>
-          <a:lstStyle/>
-          <a:p>
-            <a:r>
-              <a:rPr lang="en-US" dirty="0"/>
-              <a:t>Start</a:t>
-            </a:r>
-            <a:r>
-              <a:rPr lang="en-US" baseline="0" dirty="0"/>
-              <a:t> with background to provide context</a:t>
-            </a:r>
-          </a:p>
-          <a:p>
-            <a:r>
-              <a:rPr lang="en-US" baseline="0" dirty="0"/>
-              <a:t> - Local/Raleigh</a:t>
-            </a:r>
-          </a:p>
-          <a:p>
-            <a:r>
-              <a:rPr lang="en-US" baseline="0" dirty="0"/>
-              <a:t> - Breakout growth in past 5 years</a:t>
-            </a:r>
-          </a:p>
-          <a:p>
-            <a:r>
-              <a:rPr lang="en-US" baseline="0" dirty="0"/>
-              <a:t> - Still has small mom/pop shop</a:t>
-            </a:r>
-          </a:p>
-          <a:p>
-            <a:r>
-              <a:rPr lang="en-US" baseline="0" dirty="0"/>
-              <a:t> -Derive much of their business indirectly through  National Infrastructure Spending (Highway Bill)</a:t>
-            </a:r>
-          </a:p>
-          <a:p>
-            <a:r>
-              <a:rPr lang="en-US" baseline="0" dirty="0"/>
-              <a:t> - Began our engagement in 2016</a:t>
-            </a:r>
-          </a:p>
-          <a:p>
-            <a:r>
-              <a:rPr lang="en-US" baseline="0" dirty="0"/>
-              <a:t> - 2 day discovery meeting</a:t>
-            </a:r>
-            <a:endParaRPr lang="en-US" dirty="0"/>
-          </a:p>
-        </p:txBody>
-      </p:sp>
-      <p:sp>
-        <p:nvSpPr>
-          <p:cNvPr id="4" name="Slide Number Placeholder 3"/>
-          <p:cNvSpPr>
-            <a:spLocks noGrp="1"/>
-          </p:cNvSpPr>
-          <p:nvPr>
-            <p:ph type="sldNum" sz="quarter" idx="10"/>
-          </p:nvPr>
-        </p:nvSpPr>
-        <p:spPr/>
-        <p:txBody>
-          <a:bodyPr/>
-          <a:lstStyle/>
-          <a:p>
-            <a:fld id="{36E82501-53DA-4152-84B0-51135B15EEA8}" type="slidenum">
-              <a:rPr lang="en-US" smtClean="0"/>
-              <a:pPr/>
-              <a:t>7</a:t>
-            </a:fld>
-            <a:endParaRPr lang="en-US" dirty="0"/>
-          </a:p>
-        </p:txBody>
-      </p:sp>
-    </p:spTree>
-    <p:extLst>
-      <p:ext uri="{BB962C8B-B14F-4D97-AF65-F5344CB8AC3E}">
-        <p14:creationId xmlns:p14="http://schemas.microsoft.com/office/powerpoint/2010/main" val="1256487371"/>
+        <p14:creationId xmlns:p14="http://schemas.microsoft.com/office/powerpoint/2010/main" val="1256038717"/>
       </p:ext>
     </p:extLst>
   </p:cSld>
@@ -7182,7 +7050,7 @@
         <p:spPr>
           <a:xfrm>
             <a:off x="989012" y="1524000"/>
-            <a:ext cx="6172200" cy="4210618"/>
+            <a:ext cx="6172200" cy="4724400"/>
           </a:xfrm>
         </p:spPr>
         <p:txBody>
@@ -7191,31 +7059,8 @@
           <a:p>
             <a:r>
               <a:rPr lang="en-US" sz="2400" dirty="0"/>
-              <a:t>Explore the intersection of performance art and coding</a:t>
-            </a:r>
-          </a:p>
-          <a:p>
-            <a:r>
-              <a:rPr lang="en-US" sz="2400" dirty="0"/>
-              <a:t>Inspired by by </a:t>
-            </a:r>
-            <a:r>
-              <a:rPr lang="en-US" sz="2400" b="1" i="1" dirty="0"/>
-              <a:t>Soundspace</a:t>
-            </a:r>
-            <a:r>
-              <a:rPr lang="en-US" sz="2400" dirty="0"/>
-              <a:t> at Durham Science Museum, which merges movement, sound, and visual art</a:t>
-            </a:r>
-          </a:p>
-          <a:p>
-            <a:r>
-              <a:rPr lang="en-US" sz="2400" dirty="0"/>
-              <a:t>Incorporate cutting-edge web audio</a:t>
-            </a:r>
-          </a:p>
-          <a:p>
-            <a:endParaRPr lang="en-US" sz="2400" dirty="0"/>
+              <a:t>How can creatively coding visual and audio instruments be brought together in interesting, fun, and unexpected ways? </a:t>
+            </a:r>
           </a:p>
         </p:txBody>
       </p:sp>
@@ -7322,6 +7167,191 @@
 </file>
 
 <file path=ppt/slides/slide3.xml><?xml version="1.0" encoding="utf-8"?>
+<p:sld xmlns:a="http://schemas.openxmlformats.org/drawingml/2006/main" xmlns:r="http://schemas.openxmlformats.org/officeDocument/2006/relationships" xmlns:p="http://schemas.openxmlformats.org/presentationml/2006/main">
+  <p:cSld>
+    <p:spTree>
+      <p:nvGrpSpPr>
+        <p:cNvPr id="1" name=""/>
+        <p:cNvGrpSpPr/>
+        <p:nvPr/>
+      </p:nvGrpSpPr>
+      <p:grpSpPr>
+        <a:xfrm>
+          <a:off x="0" y="0"/>
+          <a:ext cx="0" cy="0"/>
+          <a:chOff x="0" y="0"/>
+          <a:chExt cx="0" cy="0"/>
+        </a:xfrm>
+      </p:grpSpPr>
+      <p:sp>
+        <p:nvSpPr>
+          <p:cNvPr id="3" name="Content Placeholder 2"/>
+          <p:cNvSpPr>
+            <a:spLocks noGrp="1"/>
+          </p:cNvSpPr>
+          <p:nvPr>
+            <p:ph sz="quarter" idx="4294967295"/>
+          </p:nvPr>
+        </p:nvSpPr>
+        <p:spPr>
+          <a:xfrm>
+            <a:off x="989012" y="1524000"/>
+            <a:ext cx="6172200" cy="4724400"/>
+          </a:xfrm>
+        </p:spPr>
+        <p:txBody>
+          <a:bodyPr/>
+          <a:lstStyle/>
+          <a:p>
+            <a:r>
+              <a:rPr lang="en-US" sz="2400" b="1" dirty="0"/>
+              <a:t>Draw - Sound - Live </a:t>
+            </a:r>
+            <a:r>
+              <a:rPr lang="en-US" sz="2400" dirty="0"/>
+              <a:t>is a live performance space that enables users to draw music for an audience. </a:t>
+            </a:r>
+          </a:p>
+          <a:p>
+            <a:pPr lvl="1"/>
+            <a:r>
+              <a:rPr lang="en-US" sz="2000" dirty="0"/>
+              <a:t>Beneath the covers, an input controller captures and transmits user interactions to the audience</a:t>
+            </a:r>
+          </a:p>
+          <a:p>
+            <a:pPr lvl="1"/>
+            <a:r>
+              <a:rPr lang="en-US" sz="2000" dirty="0"/>
+              <a:t>A canvas interprets and renders user performances both visually and by transforming sound</a:t>
+            </a:r>
+          </a:p>
+          <a:p>
+            <a:pPr lvl="1"/>
+            <a:r>
+              <a:rPr lang="en-US" sz="2000" dirty="0"/>
+              <a:t>Its up to the performer to determine the composition of the input controller AND the rules of expression - will the art and music work together in enabling the performer to understand? </a:t>
+            </a:r>
+          </a:p>
+          <a:p>
+            <a:r>
+              <a:rPr lang="en-US" sz="2400" dirty="0"/>
+              <a:t>Inspired by by </a:t>
+            </a:r>
+            <a:r>
+              <a:rPr lang="en-US" sz="2400" b="1" i="1" dirty="0"/>
+              <a:t>Soundspace</a:t>
+            </a:r>
+            <a:r>
+              <a:rPr lang="en-US" sz="2400" dirty="0"/>
+              <a:t> at Durham Science Museum, which merges movement, sound, and visual art</a:t>
+            </a:r>
+          </a:p>
+        </p:txBody>
+      </p:sp>
+      <p:sp>
+        <p:nvSpPr>
+          <p:cNvPr id="4" name="Title 1"/>
+          <p:cNvSpPr>
+            <a:spLocks noGrp="1"/>
+          </p:cNvSpPr>
+          <p:nvPr>
+            <p:ph type="title"/>
+          </p:nvPr>
+        </p:nvSpPr>
+        <p:spPr>
+          <a:xfrm>
+            <a:off x="532474" y="449116"/>
+            <a:ext cx="11125199" cy="889000"/>
+          </a:xfrm>
+        </p:spPr>
+        <p:txBody>
+          <a:bodyPr anchor="ctr"/>
+          <a:lstStyle/>
+          <a:p>
+            <a:r>
+              <a:rPr lang="en-US" sz="3200" dirty="0">
+                <a:solidFill>
+                  <a:schemeClr val="bg1">
+                    <a:lumMod val="50000"/>
+                  </a:schemeClr>
+                </a:solidFill>
+              </a:rPr>
+              <a:t>Draw &lt; -- &gt; Sound &lt; -- &gt; Live</a:t>
+            </a:r>
+            <a:br>
+              <a:rPr lang="en-US" dirty="0"/>
+            </a:br>
+            <a:r>
+              <a:rPr lang="en-US" sz="2400" b="1" dirty="0"/>
+              <a:t>Motivation</a:t>
+            </a:r>
+          </a:p>
+        </p:txBody>
+      </p:sp>
+      <p:sp>
+        <p:nvSpPr>
+          <p:cNvPr id="5" name="TextBox 4">
+            <a:extLst>
+              <a:ext uri="{FF2B5EF4-FFF2-40B4-BE49-F238E27FC236}">
+                <a16:creationId xmlns:a16="http://schemas.microsoft.com/office/drawing/2014/main" id="{9CC69A7A-627F-3D4C-9B41-0B4F73067CB1}"/>
+              </a:ext>
+            </a:extLst>
+          </p:cNvPr>
+          <p:cNvSpPr txBox="1"/>
+          <p:nvPr/>
+        </p:nvSpPr>
+        <p:spPr>
+          <a:xfrm>
+            <a:off x="13087350" y="542925"/>
+            <a:ext cx="0" cy="0"/>
+          </a:xfrm>
+          <a:prstGeom prst="rect">
+            <a:avLst/>
+          </a:prstGeom>
+          <a:noFill/>
+        </p:spPr>
+        <p:txBody>
+          <a:bodyPr wrap="none" lIns="0" tIns="0" rIns="0" bIns="0" rtlCol="0">
+            <a:noAutofit/>
+          </a:bodyPr>
+          <a:lstStyle/>
+          <a:p>
+            <a:pPr>
+              <a:lnSpc>
+                <a:spcPct val="90000"/>
+              </a:lnSpc>
+            </a:pPr>
+            <a:endParaRPr lang="en-US" dirty="0"/>
+          </a:p>
+        </p:txBody>
+      </p:sp>
+    </p:spTree>
+    <p:extLst>
+      <p:ext uri="{BB962C8B-B14F-4D97-AF65-F5344CB8AC3E}">
+        <p14:creationId xmlns:p14="http://schemas.microsoft.com/office/powerpoint/2010/main" val="2629471801"/>
+      </p:ext>
+    </p:extLst>
+  </p:cSld>
+  <p:clrMapOvr>
+    <a:masterClrMapping/>
+  </p:clrMapOvr>
+  <mc:AlternateContent xmlns:mc="http://schemas.openxmlformats.org/markup-compatibility/2006" xmlns:p14="http://schemas.microsoft.com/office/powerpoint/2010/main">
+    <mc:Choice Requires="p14">
+      <p:transition spd="med" p14:dur="700">
+        <p:fade/>
+      </p:transition>
+    </mc:Choice>
+    <mc:Fallback xmlns="">
+      <p:transition spd="med">
+        <p:fade/>
+      </p:transition>
+    </mc:Fallback>
+  </mc:AlternateContent>
+</p:sld>
+</file>
+
+<file path=ppt/slides/slide4.xml><?xml version="1.0" encoding="utf-8"?>
 <p:sld xmlns:a="http://schemas.openxmlformats.org/drawingml/2006/main" xmlns:r="http://schemas.openxmlformats.org/officeDocument/2006/relationships" xmlns:p="http://schemas.openxmlformats.org/presentationml/2006/main">
   <p:cSld>
     <p:spTree>
@@ -7630,6 +7660,12 @@
             </a:r>
           </a:p>
           <a:p>
+            <a:r>
+              <a:rPr lang="en-US" sz="2400" dirty="0"/>
+              <a:t>Wire frame</a:t>
+            </a:r>
+          </a:p>
+          <a:p>
             <a:endParaRPr lang="en-US" sz="2400" dirty="0"/>
           </a:p>
         </p:txBody>
@@ -7767,7 +7803,7 @@
 </p:sld>
 </file>
 
-<file path=ppt/slides/slide4.xml><?xml version="1.0" encoding="utf-8"?>
+<file path=ppt/slides/slide5.xml><?xml version="1.0" encoding="utf-8"?>
 <p:sld xmlns:a="http://schemas.openxmlformats.org/drawingml/2006/main" xmlns:r="http://schemas.openxmlformats.org/officeDocument/2006/relationships" xmlns:p="http://schemas.openxmlformats.org/presentationml/2006/main">
   <p:cSld>
     <p:spTree>
@@ -7797,7 +7833,7 @@
         <p:spPr>
           <a:xfrm>
             <a:off x="989012" y="1524000"/>
-            <a:ext cx="6019800" cy="4210618"/>
+            <a:ext cx="7010400" cy="4210618"/>
           </a:xfrm>
         </p:spPr>
         <p:txBody>
@@ -7805,45 +7841,46 @@
           <a:lstStyle/>
           <a:p>
             <a:r>
+              <a:rPr lang="en-US" sz="2400" i="1" dirty="0"/>
+              <a:t>Render</a:t>
+            </a:r>
+            <a:r>
               <a:rPr lang="en-US" sz="2400" dirty="0"/>
-              <a:t>Epic: make dumb things smart</a:t>
-            </a:r>
-          </a:p>
-          <a:p>
+              <a:t> cutting-edge audio	{sound effects}</a:t>
+            </a:r>
+          </a:p>
+          <a:p>
+            <a:r>
+              <a:rPr lang="en-US" sz="2400" i="1" dirty="0"/>
+              <a:t>Visualize</a:t>
+            </a:r>
             <a:r>
               <a:rPr lang="en-US" sz="2400" dirty="0"/>
-              <a:t>Mobile-first philosophy</a:t>
-            </a:r>
-          </a:p>
-          <a:p>
+              <a:t> performance	{canvas}</a:t>
+            </a:r>
+          </a:p>
+          <a:p>
+            <a:r>
+              <a:rPr lang="en-US" sz="2400" i="1" dirty="0"/>
+              <a:t>Mimic</a:t>
+            </a:r>
             <a:r>
               <a:rPr lang="en-US" sz="2400" dirty="0"/>
-              <a:t>Custom CSS</a:t>
-            </a:r>
-          </a:p>
-          <a:p>
+              <a:t> live venue		{chat, clapping, booing}</a:t>
+            </a:r>
+          </a:p>
+          <a:p>
+            <a:r>
+              <a:rPr lang="en-US" sz="2400" i="1" dirty="0"/>
+              <a:t>Encourage</a:t>
+            </a:r>
             <a:r>
               <a:rPr lang="en-US" sz="2400" dirty="0"/>
-              <a:t>Multi-user</a:t>
-            </a:r>
-          </a:p>
-          <a:p>
-            <a:r>
-              <a:rPr lang="en-US" sz="2400" dirty="0"/>
-              <a:t>Authenticated</a:t>
-            </a:r>
-          </a:p>
-          <a:p>
-            <a:r>
-              <a:rPr lang="en-US" sz="2400" dirty="0"/>
-              <a:t>Relational data model</a:t>
-            </a:r>
-          </a:p>
-          <a:p>
-            <a:r>
-              <a:rPr lang="en-US" sz="2400" dirty="0"/>
-              <a:t>MVC: efficient code re-use, parallel dev</a:t>
-            </a:r>
+              <a:t> whimsy		{instrument}</a:t>
+            </a:r>
+          </a:p>
+          <a:p>
+            <a:endParaRPr lang="en-US" sz="2400" dirty="0"/>
           </a:p>
         </p:txBody>
       </p:sp>
@@ -7887,6 +7924,78 @@
           </a:p>
         </p:txBody>
       </p:sp>
+      <p:pic>
+        <p:nvPicPr>
+          <p:cNvPr id="6" name="Picture 5">
+            <a:extLst>
+              <a:ext uri="{FF2B5EF4-FFF2-40B4-BE49-F238E27FC236}">
+                <a16:creationId xmlns:a16="http://schemas.microsoft.com/office/drawing/2014/main" id="{1612E2A7-4293-F84A-ACBE-6C90CB119315}"/>
+              </a:ext>
+            </a:extLst>
+          </p:cNvPr>
+          <p:cNvPicPr>
+            <a:picLocks noChangeAspect="1"/>
+          </p:cNvPicPr>
+          <p:nvPr/>
+        </p:nvPicPr>
+        <p:blipFill>
+          <a:blip r:embed="rId3">
+            <a:extLst>
+              <a:ext uri="{28A0092B-C50C-407E-A947-70E740481C1C}">
+                <a14:useLocalDpi xmlns:a14="http://schemas.microsoft.com/office/drawing/2010/main" val="0"/>
+              </a:ext>
+            </a:extLst>
+          </a:blip>
+          <a:stretch>
+            <a:fillRect/>
+          </a:stretch>
+        </p:blipFill>
+        <p:spPr>
+          <a:xfrm>
+            <a:off x="6707631" y="3121231"/>
+            <a:ext cx="4950042" cy="1112800"/>
+          </a:xfrm>
+          <a:prstGeom prst="rect">
+            <a:avLst/>
+          </a:prstGeom>
+        </p:spPr>
+      </p:pic>
+      <p:pic>
+        <p:nvPicPr>
+          <p:cNvPr id="8" name="Picture 7">
+            <a:extLst>
+              <a:ext uri="{FF2B5EF4-FFF2-40B4-BE49-F238E27FC236}">
+                <a16:creationId xmlns:a16="http://schemas.microsoft.com/office/drawing/2014/main" id="{2CC6B452-6ADD-A34C-992B-52146839937C}"/>
+              </a:ext>
+            </a:extLst>
+          </p:cNvPr>
+          <p:cNvPicPr>
+            <a:picLocks noChangeAspect="1"/>
+          </p:cNvPicPr>
+          <p:nvPr/>
+        </p:nvPicPr>
+        <p:blipFill>
+          <a:blip r:embed="rId4">
+            <a:extLst>
+              <a:ext uri="{28A0092B-C50C-407E-A947-70E740481C1C}">
+                <a14:useLocalDpi xmlns:a14="http://schemas.microsoft.com/office/drawing/2010/main" val="0"/>
+              </a:ext>
+            </a:extLst>
+          </a:blip>
+          <a:stretch>
+            <a:fillRect/>
+          </a:stretch>
+        </p:blipFill>
+        <p:spPr>
+          <a:xfrm>
+            <a:off x="6738316" y="4267200"/>
+            <a:ext cx="4922973" cy="1720796"/>
+          </a:xfrm>
+          <a:prstGeom prst="rect">
+            <a:avLst/>
+          </a:prstGeom>
+        </p:spPr>
+      </p:pic>
     </p:spTree>
     <p:extLst>
       <p:ext uri="{BB962C8B-B14F-4D97-AF65-F5344CB8AC3E}">
@@ -7912,7 +8021,7 @@
 </p:sld>
 </file>
 
-<file path=ppt/slides/slide5.xml><?xml version="1.0" encoding="utf-8"?>
+<file path=ppt/slides/slide6.xml><?xml version="1.0" encoding="utf-8"?>
 <p:sld xmlns:a="http://schemas.openxmlformats.org/drawingml/2006/main" xmlns:r="http://schemas.openxmlformats.org/officeDocument/2006/relationships" xmlns:p="http://schemas.openxmlformats.org/presentationml/2006/main">
   <p:cSld>
     <p:spTree>
@@ -8508,7 +8617,7 @@
         </p:blipFill>
         <p:spPr bwMode="auto">
           <a:xfrm>
-            <a:off x="7928982" y="3413139"/>
+            <a:off x="7738633" y="3490561"/>
             <a:ext cx="744036" cy="744036"/>
           </a:xfrm>
           <a:prstGeom prst="rect">
@@ -8600,8 +8709,8 @@
         </p:blipFill>
         <p:spPr>
           <a:xfrm>
-            <a:off x="8597299" y="2461503"/>
-            <a:ext cx="762000" cy="762000"/>
+            <a:off x="8648351" y="2405234"/>
+            <a:ext cx="680798" cy="680798"/>
           </a:xfrm>
           <a:prstGeom prst="rect">
             <a:avLst/>
@@ -8636,7 +8745,7 @@
         </p:blipFill>
         <p:spPr>
           <a:xfrm>
-            <a:off x="9553805" y="2589491"/>
+            <a:off x="9553805" y="2425443"/>
             <a:ext cx="1822105" cy="851157"/>
           </a:xfrm>
           <a:prstGeom prst="rect">
@@ -8672,44 +8781,8 @@
         </p:blipFill>
         <p:spPr>
           <a:xfrm>
-            <a:off x="8964049" y="3581400"/>
-            <a:ext cx="2125423" cy="640906"/>
-          </a:xfrm>
-          <a:prstGeom prst="rect">
-            <a:avLst/>
-          </a:prstGeom>
-        </p:spPr>
-      </p:pic>
-      <p:pic>
-        <p:nvPicPr>
-          <p:cNvPr id="33" name="Picture 32">
-            <a:extLst>
-              <a:ext uri="{FF2B5EF4-FFF2-40B4-BE49-F238E27FC236}">
-                <a16:creationId xmlns:a16="http://schemas.microsoft.com/office/drawing/2014/main" id="{8EEDC77C-FAD1-BB46-84DB-847B2DA4D4A1}"/>
-              </a:ext>
-            </a:extLst>
-          </p:cNvPr>
-          <p:cNvPicPr>
-            <a:picLocks noChangeAspect="1"/>
-          </p:cNvPicPr>
-          <p:nvPr/>
-        </p:nvPicPr>
-        <p:blipFill>
-          <a:blip r:embed="rId13">
-            <a:extLst>
-              <a:ext uri="{28A0092B-C50C-407E-A947-70E740481C1C}">
-                <a14:useLocalDpi xmlns:a14="http://schemas.microsoft.com/office/drawing/2010/main" val="0"/>
-              </a:ext>
-            </a:extLst>
-          </a:blip>
-          <a:stretch>
-            <a:fillRect/>
-          </a:stretch>
-        </p:blipFill>
-        <p:spPr>
-          <a:xfrm>
-            <a:off x="8964049" y="4464494"/>
-            <a:ext cx="2125423" cy="640906"/>
+            <a:off x="8964049" y="3720978"/>
+            <a:ext cx="1662541" cy="501327"/>
           </a:xfrm>
           <a:prstGeom prst="rect">
             <a:avLst/>
@@ -8744,7 +8817,7 @@
         </p:blipFill>
         <p:spPr>
           <a:xfrm>
-            <a:off x="8853997" y="5336248"/>
+            <a:off x="8853997" y="5183848"/>
             <a:ext cx="2589213" cy="683552"/>
           </a:xfrm>
           <a:prstGeom prst="rect">
@@ -8824,671 +8897,12 @@
           </a:prstGeom>
         </p:spPr>
       </p:pic>
-    </p:spTree>
-    <p:extLst>
-      <p:ext uri="{BB962C8B-B14F-4D97-AF65-F5344CB8AC3E}">
-        <p14:creationId xmlns:p14="http://schemas.microsoft.com/office/powerpoint/2010/main" val="647556872"/>
-      </p:ext>
-    </p:extLst>
-  </p:cSld>
-  <p:clrMapOvr>
-    <a:masterClrMapping/>
-  </p:clrMapOvr>
-  <mc:AlternateContent xmlns:mc="http://schemas.openxmlformats.org/markup-compatibility/2006" xmlns:p14="http://schemas.microsoft.com/office/powerpoint/2010/main">
-    <mc:Choice Requires="p14">
-      <p:transition spd="med" p14:dur="700">
-        <p:fade/>
-      </p:transition>
-    </mc:Choice>
-    <mc:Fallback xmlns="">
-      <p:transition spd="med">
-        <p:fade/>
-      </p:transition>
-    </mc:Fallback>
-  </mc:AlternateContent>
-</p:sld>
-</file>
-
-<file path=ppt/slides/slide6.xml><?xml version="1.0" encoding="utf-8"?>
-<p:sld xmlns:a="http://schemas.openxmlformats.org/drawingml/2006/main" xmlns:r="http://schemas.openxmlformats.org/officeDocument/2006/relationships" xmlns:p="http://schemas.openxmlformats.org/presentationml/2006/main">
-  <p:cSld>
-    <p:spTree>
-      <p:nvGrpSpPr>
-        <p:cNvPr id="1" name=""/>
-        <p:cNvGrpSpPr/>
-        <p:nvPr/>
-      </p:nvGrpSpPr>
-      <p:grpSpPr>
-        <a:xfrm>
-          <a:off x="0" y="0"/>
-          <a:ext cx="0" cy="0"/>
-          <a:chOff x="0" y="0"/>
-          <a:chExt cx="0" cy="0"/>
-        </a:xfrm>
-      </p:grpSpPr>
-      <p:sp>
-        <p:nvSpPr>
-          <p:cNvPr id="4" name="Title 1"/>
-          <p:cNvSpPr>
-            <a:spLocks noGrp="1"/>
-          </p:cNvSpPr>
-          <p:nvPr>
-            <p:ph type="title"/>
-          </p:nvPr>
-        </p:nvSpPr>
-        <p:spPr>
-          <a:xfrm>
-            <a:off x="532474" y="449116"/>
-            <a:ext cx="11125199" cy="889000"/>
-          </a:xfrm>
-        </p:spPr>
-        <p:txBody>
-          <a:bodyPr anchor="ctr"/>
-          <a:lstStyle/>
-          <a:p>
-            <a:r>
-              <a:rPr lang="en-US" sz="3200" dirty="0">
-                <a:solidFill>
-                  <a:schemeClr val="bg1">
-                    <a:lumMod val="50000"/>
-                  </a:schemeClr>
-                </a:solidFill>
-              </a:rPr>
-              <a:t>Draw &lt; -- &gt; Sound &lt; -- &gt; Live</a:t>
-            </a:r>
-            <a:br>
-              <a:rPr lang="en-US" dirty="0"/>
-            </a:br>
-            <a:r>
-              <a:rPr lang="en-US" sz="2400" b="1" dirty="0"/>
-              <a:t>Roadmap</a:t>
-            </a:r>
-          </a:p>
-        </p:txBody>
-      </p:sp>
-      <p:cxnSp>
-        <p:nvCxnSpPr>
-          <p:cNvPr id="6" name="Straight Arrow Connector 5">
+      <p:pic>
+        <p:nvPicPr>
+          <p:cNvPr id="24" name="Picture 23">
             <a:extLst>
               <a:ext uri="{FF2B5EF4-FFF2-40B4-BE49-F238E27FC236}">
-                <a16:creationId xmlns:a16="http://schemas.microsoft.com/office/drawing/2014/main" id="{4793994E-2824-CE4D-BAFA-36D44381CD7F}"/>
-              </a:ext>
-            </a:extLst>
-          </p:cNvPr>
-          <p:cNvCxnSpPr/>
-          <p:nvPr/>
-        </p:nvCxnSpPr>
-        <p:spPr>
-          <a:xfrm>
-            <a:off x="912812" y="6096000"/>
-            <a:ext cx="10287000" cy="0"/>
-          </a:xfrm>
-          <a:prstGeom prst="straightConnector1">
-            <a:avLst/>
-          </a:prstGeom>
-          <a:ln w="28575">
-            <a:solidFill>
-              <a:schemeClr val="accent5">
-                <a:alpha val="50000"/>
-              </a:schemeClr>
-            </a:solidFill>
-            <a:miter lim="800000"/>
-            <a:tailEnd type="triangle" w="med" len="lg"/>
-          </a:ln>
-        </p:spPr>
-        <p:style>
-          <a:lnRef idx="1">
-            <a:schemeClr val="accent1"/>
-          </a:lnRef>
-          <a:fillRef idx="0">
-            <a:schemeClr val="accent1"/>
-          </a:fillRef>
-          <a:effectRef idx="0">
-            <a:schemeClr val="accent1"/>
-          </a:effectRef>
-          <a:fontRef idx="minor">
-            <a:schemeClr val="tx1"/>
-          </a:fontRef>
-        </p:style>
-      </p:cxnSp>
-      <p:grpSp>
-        <p:nvGrpSpPr>
-          <p:cNvPr id="7" name="Group 6">
-            <a:extLst>
-              <a:ext uri="{FF2B5EF4-FFF2-40B4-BE49-F238E27FC236}">
-                <a16:creationId xmlns:a16="http://schemas.microsoft.com/office/drawing/2014/main" id="{52D70A38-036B-3E40-AE64-7342F4F66375}"/>
-              </a:ext>
-            </a:extLst>
-          </p:cNvPr>
-          <p:cNvGrpSpPr/>
-          <p:nvPr/>
-        </p:nvGrpSpPr>
-        <p:grpSpPr>
-          <a:xfrm>
-            <a:off x="1253673" y="5756651"/>
-            <a:ext cx="8753100" cy="263149"/>
-            <a:chOff x="1253673" y="5486400"/>
-            <a:chExt cx="8753100" cy="263149"/>
-          </a:xfrm>
-        </p:grpSpPr>
-        <p:sp>
-          <p:nvSpPr>
-            <p:cNvPr id="28" name="TextBox 27">
-              <a:extLst>
-                <a:ext uri="{FF2B5EF4-FFF2-40B4-BE49-F238E27FC236}">
-                  <a16:creationId xmlns:a16="http://schemas.microsoft.com/office/drawing/2014/main" id="{84F6EF82-8C91-7E47-B22B-8B8801048848}"/>
-                </a:ext>
-              </a:extLst>
-            </p:cNvPr>
-            <p:cNvSpPr txBox="1"/>
-            <p:nvPr/>
-          </p:nvSpPr>
-          <p:spPr>
-            <a:xfrm>
-              <a:off x="1253673" y="5486400"/>
-              <a:ext cx="1124219" cy="263149"/>
-            </a:xfrm>
-            <a:prstGeom prst="rect">
-              <a:avLst/>
-            </a:prstGeom>
-            <a:noFill/>
-          </p:spPr>
-          <p:txBody>
-            <a:bodyPr wrap="none" lIns="0" tIns="0" rIns="0" bIns="0" rtlCol="0">
-              <a:spAutoFit/>
-            </a:bodyPr>
-            <a:lstStyle/>
-            <a:p>
-              <a:pPr algn="ctr">
-                <a:lnSpc>
-                  <a:spcPct val="90000"/>
-                </a:lnSpc>
-              </a:pPr>
-              <a:r>
-                <a:rPr lang="en-US" dirty="0"/>
-                <a:t>Release 1.0</a:t>
-              </a:r>
-            </a:p>
-          </p:txBody>
-        </p:sp>
-        <p:sp>
-          <p:nvSpPr>
-            <p:cNvPr id="31" name="TextBox 30">
-              <a:extLst>
-                <a:ext uri="{FF2B5EF4-FFF2-40B4-BE49-F238E27FC236}">
-                  <a16:creationId xmlns:a16="http://schemas.microsoft.com/office/drawing/2014/main" id="{A5C79CA9-6410-524C-BEDC-3AB5E76825D8}"/>
-                </a:ext>
-              </a:extLst>
-            </p:cNvPr>
-            <p:cNvSpPr txBox="1"/>
-            <p:nvPr/>
-          </p:nvSpPr>
-          <p:spPr>
-            <a:xfrm>
-              <a:off x="5180012" y="5486400"/>
-              <a:ext cx="1124219" cy="263149"/>
-            </a:xfrm>
-            <a:prstGeom prst="rect">
-              <a:avLst/>
-            </a:prstGeom>
-            <a:noFill/>
-          </p:spPr>
-          <p:txBody>
-            <a:bodyPr wrap="none" lIns="0" tIns="0" rIns="0" bIns="0" rtlCol="0">
-              <a:spAutoFit/>
-            </a:bodyPr>
-            <a:lstStyle/>
-            <a:p>
-              <a:pPr algn="ctr">
-                <a:lnSpc>
-                  <a:spcPct val="90000"/>
-                </a:lnSpc>
-              </a:pPr>
-              <a:r>
-                <a:rPr lang="en-US" dirty="0"/>
-                <a:t>Release 2.0</a:t>
-              </a:r>
-            </a:p>
-          </p:txBody>
-        </p:sp>
-        <p:sp>
-          <p:nvSpPr>
-            <p:cNvPr id="33" name="TextBox 32">
-              <a:extLst>
-                <a:ext uri="{FF2B5EF4-FFF2-40B4-BE49-F238E27FC236}">
-                  <a16:creationId xmlns:a16="http://schemas.microsoft.com/office/drawing/2014/main" id="{8291C074-EE28-164C-A77F-DFCF941FAA35}"/>
-                </a:ext>
-              </a:extLst>
-            </p:cNvPr>
-            <p:cNvSpPr txBox="1"/>
-            <p:nvPr/>
-          </p:nvSpPr>
-          <p:spPr>
-            <a:xfrm>
-              <a:off x="8945071" y="5486400"/>
-              <a:ext cx="1061702" cy="263149"/>
-            </a:xfrm>
-            <a:prstGeom prst="rect">
-              <a:avLst/>
-            </a:prstGeom>
-            <a:noFill/>
-          </p:spPr>
-          <p:txBody>
-            <a:bodyPr wrap="none" lIns="0" tIns="0" rIns="0" bIns="0" rtlCol="0">
-              <a:spAutoFit/>
-            </a:bodyPr>
-            <a:lstStyle/>
-            <a:p>
-              <a:pPr algn="ctr">
-                <a:lnSpc>
-                  <a:spcPct val="90000"/>
-                </a:lnSpc>
-              </a:pPr>
-              <a:r>
-                <a:rPr lang="en-US" dirty="0"/>
-                <a:t>Release 3+</a:t>
-              </a:r>
-            </a:p>
-          </p:txBody>
-        </p:sp>
-      </p:grpSp>
-      <p:sp>
-        <p:nvSpPr>
-          <p:cNvPr id="8" name="TextBox 7">
-            <a:extLst>
-              <a:ext uri="{FF2B5EF4-FFF2-40B4-BE49-F238E27FC236}">
-                <a16:creationId xmlns:a16="http://schemas.microsoft.com/office/drawing/2014/main" id="{7889EC80-BE76-4D4E-89E0-AC4D84D21619}"/>
-              </a:ext>
-            </a:extLst>
-          </p:cNvPr>
-          <p:cNvSpPr txBox="1"/>
-          <p:nvPr/>
-        </p:nvSpPr>
-        <p:spPr>
-          <a:xfrm>
-            <a:off x="1217612" y="2514600"/>
-            <a:ext cx="2971800" cy="2514600"/>
-          </a:xfrm>
-          <a:prstGeom prst="rect">
-            <a:avLst/>
-          </a:prstGeom>
-          <a:noFill/>
-        </p:spPr>
-        <p:txBody>
-          <a:bodyPr wrap="square" lIns="0" tIns="0" rIns="0" bIns="0" rtlCol="0">
-            <a:noAutofit/>
-          </a:bodyPr>
-          <a:lstStyle/>
-          <a:p>
-            <a:pPr marL="171450" indent="-171450">
-              <a:lnSpc>
-                <a:spcPct val="150000"/>
-              </a:lnSpc>
-              <a:buFont typeface="Arial" panose="020B0604020202020204" pitchFamily="34" charset="0"/>
-              <a:buChar char="•"/>
-            </a:pPr>
-            <a:r>
-              <a:rPr lang="en-US" sz="1600" dirty="0"/>
-              <a:t>Simple and intuitive layout</a:t>
-            </a:r>
-          </a:p>
-          <a:p>
-            <a:pPr marL="171450" indent="-171450">
-              <a:lnSpc>
-                <a:spcPct val="150000"/>
-              </a:lnSpc>
-              <a:buFont typeface="Arial" panose="020B0604020202020204" pitchFamily="34" charset="0"/>
-              <a:buChar char="•"/>
-            </a:pPr>
-            <a:r>
-              <a:rPr lang="en-US" sz="1600" dirty="0"/>
-              <a:t>Basic List of items and tasks</a:t>
-            </a:r>
-          </a:p>
-          <a:p>
-            <a:pPr marL="171450" indent="-171450">
-              <a:lnSpc>
-                <a:spcPct val="150000"/>
-              </a:lnSpc>
-              <a:buFont typeface="Arial" panose="020B0604020202020204" pitchFamily="34" charset="0"/>
-              <a:buChar char="•"/>
-            </a:pPr>
-            <a:r>
-              <a:rPr lang="en-US" sz="1600" dirty="0"/>
-              <a:t>Reminders and status</a:t>
-            </a:r>
-          </a:p>
-          <a:p>
-            <a:pPr marL="171450" indent="-171450">
-              <a:lnSpc>
-                <a:spcPct val="150000"/>
-              </a:lnSpc>
-              <a:buFont typeface="Arial" panose="020B0604020202020204" pitchFamily="34" charset="0"/>
-              <a:buChar char="•"/>
-            </a:pPr>
-            <a:r>
-              <a:rPr lang="en-US" sz="1600" dirty="0"/>
-              <a:t>Quick update</a:t>
-            </a:r>
-          </a:p>
-          <a:p>
-            <a:pPr marL="171450" indent="-171450">
-              <a:lnSpc>
-                <a:spcPct val="150000"/>
-              </a:lnSpc>
-              <a:buFont typeface="Arial" panose="020B0604020202020204" pitchFamily="34" charset="0"/>
-              <a:buChar char="•"/>
-            </a:pPr>
-            <a:r>
-              <a:rPr lang="en-US" sz="1600" dirty="0"/>
-              <a:t>”Sticky note” records</a:t>
-            </a:r>
-          </a:p>
-          <a:p>
-            <a:pPr marL="171450" indent="-171450">
-              <a:lnSpc>
-                <a:spcPct val="150000"/>
-              </a:lnSpc>
-              <a:buFont typeface="Arial" panose="020B0604020202020204" pitchFamily="34" charset="0"/>
-              <a:buChar char="•"/>
-            </a:pPr>
-            <a:r>
-              <a:rPr lang="en-US" sz="1600" dirty="0"/>
-              <a:t>User authentication</a:t>
-            </a:r>
-          </a:p>
-        </p:txBody>
-      </p:sp>
-      <p:sp>
-        <p:nvSpPr>
-          <p:cNvPr id="39" name="TextBox 38">
-            <a:extLst>
-              <a:ext uri="{FF2B5EF4-FFF2-40B4-BE49-F238E27FC236}">
-                <a16:creationId xmlns:a16="http://schemas.microsoft.com/office/drawing/2014/main" id="{1ABD1B3F-DFDE-E345-B5D3-4E0E7B446A2F}"/>
-              </a:ext>
-            </a:extLst>
-          </p:cNvPr>
-          <p:cNvSpPr txBox="1"/>
-          <p:nvPr/>
-        </p:nvSpPr>
-        <p:spPr>
-          <a:xfrm>
-            <a:off x="5103812" y="2514600"/>
-            <a:ext cx="2971800" cy="2514600"/>
-          </a:xfrm>
-          <a:prstGeom prst="rect">
-            <a:avLst/>
-          </a:prstGeom>
-          <a:noFill/>
-        </p:spPr>
-        <p:txBody>
-          <a:bodyPr wrap="square" lIns="0" tIns="0" rIns="0" bIns="0" rtlCol="0">
-            <a:noAutofit/>
-          </a:bodyPr>
-          <a:lstStyle/>
-          <a:p>
-            <a:pPr marL="171450" indent="-171450">
-              <a:lnSpc>
-                <a:spcPct val="150000"/>
-              </a:lnSpc>
-              <a:buFont typeface="Arial" panose="020B0604020202020204" pitchFamily="34" charset="0"/>
-              <a:buChar char="•"/>
-            </a:pPr>
-            <a:r>
-              <a:rPr lang="en-US" sz="1600" dirty="0"/>
-              <a:t>Updated layout</a:t>
-            </a:r>
-          </a:p>
-          <a:p>
-            <a:pPr marL="171450" indent="-171450">
-              <a:lnSpc>
-                <a:spcPct val="150000"/>
-              </a:lnSpc>
-              <a:buFont typeface="Arial" panose="020B0604020202020204" pitchFamily="34" charset="0"/>
-              <a:buChar char="•"/>
-            </a:pPr>
-            <a:r>
-              <a:rPr lang="en-US" sz="1600" dirty="0"/>
-              <a:t>Comprehensive list</a:t>
-            </a:r>
-          </a:p>
-          <a:p>
-            <a:pPr marL="171450" indent="-171450">
-              <a:lnSpc>
-                <a:spcPct val="150000"/>
-              </a:lnSpc>
-              <a:buFont typeface="Arial" panose="020B0604020202020204" pitchFamily="34" charset="0"/>
-              <a:buChar char="•"/>
-            </a:pPr>
-            <a:r>
-              <a:rPr lang="en-US" sz="1600" dirty="0"/>
-              <a:t>Granular editing</a:t>
-            </a:r>
-          </a:p>
-          <a:p>
-            <a:pPr marL="171450" indent="-171450">
-              <a:lnSpc>
-                <a:spcPct val="150000"/>
-              </a:lnSpc>
-              <a:buFont typeface="Arial" panose="020B0604020202020204" pitchFamily="34" charset="0"/>
-              <a:buChar char="•"/>
-            </a:pPr>
-            <a:r>
-              <a:rPr lang="en-US" sz="1600" dirty="0"/>
-              <a:t>Auto fill dates</a:t>
-            </a:r>
-          </a:p>
-          <a:p>
-            <a:pPr marL="171450" indent="-171450">
-              <a:lnSpc>
-                <a:spcPct val="150000"/>
-              </a:lnSpc>
-              <a:buFont typeface="Arial" panose="020B0604020202020204" pitchFamily="34" charset="0"/>
-              <a:buChar char="•"/>
-            </a:pPr>
-            <a:r>
-              <a:rPr lang="en-US" sz="1600" dirty="0"/>
-              <a:t>Integration with Google Calendar</a:t>
-            </a:r>
-          </a:p>
-          <a:p>
-            <a:pPr marL="171450" indent="-171450">
-              <a:lnSpc>
-                <a:spcPct val="150000"/>
-              </a:lnSpc>
-              <a:buFont typeface="Arial" panose="020B0604020202020204" pitchFamily="34" charset="0"/>
-              <a:buChar char="•"/>
-            </a:pPr>
-            <a:r>
-              <a:rPr lang="en-US" sz="1600" dirty="0"/>
-              <a:t>Text and email notification</a:t>
-            </a:r>
-          </a:p>
-        </p:txBody>
-      </p:sp>
-      <p:sp>
-        <p:nvSpPr>
-          <p:cNvPr id="40" name="TextBox 39">
-            <a:extLst>
-              <a:ext uri="{FF2B5EF4-FFF2-40B4-BE49-F238E27FC236}">
-                <a16:creationId xmlns:a16="http://schemas.microsoft.com/office/drawing/2014/main" id="{82E093F5-F2A3-CB42-964E-5B384A5C2635}"/>
-              </a:ext>
-            </a:extLst>
-          </p:cNvPr>
-          <p:cNvSpPr txBox="1"/>
-          <p:nvPr/>
-        </p:nvSpPr>
-        <p:spPr>
-          <a:xfrm>
-            <a:off x="8837612" y="2514600"/>
-            <a:ext cx="2971800" cy="2514600"/>
-          </a:xfrm>
-          <a:prstGeom prst="rect">
-            <a:avLst/>
-          </a:prstGeom>
-          <a:noFill/>
-        </p:spPr>
-        <p:txBody>
-          <a:bodyPr wrap="square" lIns="0" tIns="0" rIns="0" bIns="0" rtlCol="0">
-            <a:noAutofit/>
-          </a:bodyPr>
-          <a:lstStyle/>
-          <a:p>
-            <a:pPr marL="171450" indent="-171450">
-              <a:lnSpc>
-                <a:spcPct val="150000"/>
-              </a:lnSpc>
-              <a:buFont typeface="Arial" panose="020B0604020202020204" pitchFamily="34" charset="0"/>
-              <a:buChar char="•"/>
-            </a:pPr>
-            <a:r>
-              <a:rPr lang="en-US" sz="1600" dirty="0"/>
-              <a:t>PWA</a:t>
-            </a:r>
-          </a:p>
-          <a:p>
-            <a:pPr marL="171450" indent="-171450">
-              <a:lnSpc>
-                <a:spcPct val="150000"/>
-              </a:lnSpc>
-              <a:buFont typeface="Arial" panose="020B0604020202020204" pitchFamily="34" charset="0"/>
-              <a:buChar char="•"/>
-            </a:pPr>
-            <a:r>
-              <a:rPr lang="en-US" sz="1600" dirty="0"/>
-              <a:t>Manufacturer integration</a:t>
-            </a:r>
-          </a:p>
-          <a:p>
-            <a:pPr marL="171450" indent="-171450">
-              <a:lnSpc>
-                <a:spcPct val="150000"/>
-              </a:lnSpc>
-              <a:buFont typeface="Arial" panose="020B0604020202020204" pitchFamily="34" charset="0"/>
-              <a:buChar char="•"/>
-            </a:pPr>
-            <a:r>
-              <a:rPr lang="en-US" sz="1600" dirty="0"/>
-              <a:t>Product inventory</a:t>
-            </a:r>
-          </a:p>
-          <a:p>
-            <a:pPr marL="171450" indent="-171450">
-              <a:lnSpc>
-                <a:spcPct val="150000"/>
-              </a:lnSpc>
-              <a:buFont typeface="Arial" panose="020B0604020202020204" pitchFamily="34" charset="0"/>
-              <a:buChar char="•"/>
-            </a:pPr>
-            <a:r>
-              <a:rPr lang="en-US" sz="1600" dirty="0"/>
-              <a:t>Advertising services</a:t>
-            </a:r>
-          </a:p>
-          <a:p>
-            <a:pPr marL="171450" indent="-171450">
-              <a:lnSpc>
-                <a:spcPct val="150000"/>
-              </a:lnSpc>
-              <a:buFont typeface="Arial" panose="020B0604020202020204" pitchFamily="34" charset="0"/>
-              <a:buChar char="•"/>
-            </a:pPr>
-            <a:r>
-              <a:rPr lang="en-US" sz="1600" dirty="0"/>
-              <a:t>Service company referrals</a:t>
-            </a:r>
-          </a:p>
-          <a:p>
-            <a:pPr marL="171450" indent="-171450">
-              <a:lnSpc>
-                <a:spcPct val="150000"/>
-              </a:lnSpc>
-              <a:buFont typeface="Arial" panose="020B0604020202020204" pitchFamily="34" charset="0"/>
-              <a:buChar char="•"/>
-            </a:pPr>
-            <a:r>
-              <a:rPr lang="en-US" sz="1600" dirty="0"/>
-              <a:t>Trend &amp; Demographic  analytics</a:t>
-            </a:r>
-          </a:p>
-        </p:txBody>
-      </p:sp>
-    </p:spTree>
-    <p:extLst>
-      <p:ext uri="{BB962C8B-B14F-4D97-AF65-F5344CB8AC3E}">
-        <p14:creationId xmlns:p14="http://schemas.microsoft.com/office/powerpoint/2010/main" val="2673070630"/>
-      </p:ext>
-    </p:extLst>
-  </p:cSld>
-  <p:clrMapOvr>
-    <a:masterClrMapping/>
-  </p:clrMapOvr>
-  <mc:AlternateContent xmlns:mc="http://schemas.openxmlformats.org/markup-compatibility/2006" xmlns:p14="http://schemas.microsoft.com/office/powerpoint/2010/main">
-    <mc:Choice Requires="p14">
-      <p:transition spd="med" p14:dur="700">
-        <p:fade/>
-      </p:transition>
-    </mc:Choice>
-    <mc:Fallback xmlns="">
-      <p:transition spd="med">
-        <p:fade/>
-      </p:transition>
-    </mc:Fallback>
-  </mc:AlternateContent>
-</p:sld>
-</file>
-
-<file path=ppt/slides/slide7.xml><?xml version="1.0" encoding="utf-8"?>
-<p:sld xmlns:a="http://schemas.openxmlformats.org/drawingml/2006/main" xmlns:r="http://schemas.openxmlformats.org/officeDocument/2006/relationships" xmlns:p="http://schemas.openxmlformats.org/presentationml/2006/main">
-  <p:cSld>
-    <p:spTree>
-      <p:nvGrpSpPr>
-        <p:cNvPr id="1" name=""/>
-        <p:cNvGrpSpPr/>
-        <p:nvPr/>
-      </p:nvGrpSpPr>
-      <p:grpSpPr>
-        <a:xfrm>
-          <a:off x="0" y="0"/>
-          <a:ext cx="0" cy="0"/>
-          <a:chOff x="0" y="0"/>
-          <a:chExt cx="0" cy="0"/>
-        </a:xfrm>
-      </p:grpSpPr>
-      <p:sp>
-        <p:nvSpPr>
-          <p:cNvPr id="6" name="Title 5">
-            <a:extLst>
-              <a:ext uri="{FF2B5EF4-FFF2-40B4-BE49-F238E27FC236}">
-                <a16:creationId xmlns:a16="http://schemas.microsoft.com/office/drawing/2014/main" id="{0BC2806F-670C-5F45-9CEF-1DE5CD5652C5}"/>
-              </a:ext>
-            </a:extLst>
-          </p:cNvPr>
-          <p:cNvSpPr>
-            <a:spLocks noGrp="1"/>
-          </p:cNvSpPr>
-          <p:nvPr>
-            <p:ph type="title"/>
-          </p:nvPr>
-        </p:nvSpPr>
-        <p:spPr/>
-        <p:txBody>
-          <a:bodyPr/>
-          <a:lstStyle/>
-          <a:p>
-            <a:r>
-              <a:rPr lang="en-US" dirty="0"/>
-              <a:t>Artifacts</a:t>
-            </a:r>
-          </a:p>
-        </p:txBody>
-      </p:sp>
-      <p:pic>
-        <p:nvPicPr>
-          <p:cNvPr id="8" name="Picture 7">
-            <a:extLst>
-              <a:ext uri="{FF2B5EF4-FFF2-40B4-BE49-F238E27FC236}">
-                <a16:creationId xmlns:a16="http://schemas.microsoft.com/office/drawing/2014/main" id="{5E274010-A666-314C-A889-5CDC0EE5549E}"/>
+                <a16:creationId xmlns:a16="http://schemas.microsoft.com/office/drawing/2014/main" id="{1C703F9D-6EA5-F342-A6FB-8BC9AAEDFB79}"/>
               </a:ext>
             </a:extLst>
           </p:cNvPr>
@@ -9498,7 +8912,7 @@
           <p:nvPr/>
         </p:nvPicPr>
         <p:blipFill>
-          <a:blip r:embed="rId3">
+          <a:blip r:embed="rId17">
             <a:extLst>
               <a:ext uri="{28A0092B-C50C-407E-A947-70E740481C1C}">
                 <a14:useLocalDpi xmlns:a14="http://schemas.microsoft.com/office/drawing/2010/main" val="0"/>
@@ -9511,8 +8925,8 @@
         </p:blipFill>
         <p:spPr>
           <a:xfrm>
-            <a:off x="5332412" y="3581400"/>
-            <a:ext cx="6451968" cy="2559050"/>
+            <a:off x="10263001" y="3274353"/>
+            <a:ext cx="1099353" cy="371032"/>
           </a:xfrm>
           <a:prstGeom prst="rect">
             <a:avLst/>
@@ -9521,10 +8935,10 @@
       </p:pic>
       <p:pic>
         <p:nvPicPr>
-          <p:cNvPr id="10" name="Picture 9">
+          <p:cNvPr id="28" name="Picture 27">
             <a:extLst>
               <a:ext uri="{FF2B5EF4-FFF2-40B4-BE49-F238E27FC236}">
-                <a16:creationId xmlns:a16="http://schemas.microsoft.com/office/drawing/2014/main" id="{449A7CDA-182A-144E-80E4-B59FD896F344}"/>
+                <a16:creationId xmlns:a16="http://schemas.microsoft.com/office/drawing/2014/main" id="{EFB3FD9C-91F5-734B-AA11-3C5E734C0BDF}"/>
               </a:ext>
             </a:extLst>
           </p:cNvPr>
@@ -9534,7 +8948,7 @@
           <p:nvPr/>
         </p:nvPicPr>
         <p:blipFill>
-          <a:blip r:embed="rId4">
+          <a:blip r:embed="rId18">
             <a:extLst>
               <a:ext uri="{28A0092B-C50C-407E-A947-70E740481C1C}">
                 <a14:useLocalDpi xmlns:a14="http://schemas.microsoft.com/office/drawing/2010/main" val="0"/>
@@ -9547,8 +8961,44 @@
         </p:blipFill>
         <p:spPr>
           <a:xfrm>
-            <a:off x="5713412" y="609600"/>
-            <a:ext cx="5334000" cy="2747818"/>
+            <a:off x="8597299" y="3141816"/>
+            <a:ext cx="1061955" cy="495212"/>
+          </a:xfrm>
+          <a:prstGeom prst="rect">
+            <a:avLst/>
+          </a:prstGeom>
+        </p:spPr>
+      </p:pic>
+      <p:pic>
+        <p:nvPicPr>
+          <p:cNvPr id="45" name="Picture 44">
+            <a:extLst>
+              <a:ext uri="{FF2B5EF4-FFF2-40B4-BE49-F238E27FC236}">
+                <a16:creationId xmlns:a16="http://schemas.microsoft.com/office/drawing/2014/main" id="{97DE774B-80DD-624E-9311-B06CF5587FBB}"/>
+              </a:ext>
+            </a:extLst>
+          </p:cNvPr>
+          <p:cNvPicPr>
+            <a:picLocks noChangeAspect="1"/>
+          </p:cNvPicPr>
+          <p:nvPr/>
+        </p:nvPicPr>
+        <p:blipFill>
+          <a:blip r:embed="rId13">
+            <a:extLst>
+              <a:ext uri="{28A0092B-C50C-407E-A947-70E740481C1C}">
+                <a14:useLocalDpi xmlns:a14="http://schemas.microsoft.com/office/drawing/2010/main" val="0"/>
+              </a:ext>
+            </a:extLst>
+          </a:blip>
+          <a:stretch>
+            <a:fillRect/>
+          </a:stretch>
+        </p:blipFill>
+        <p:spPr>
+          <a:xfrm>
+            <a:off x="8964049" y="4494587"/>
+            <a:ext cx="1662541" cy="501327"/>
           </a:xfrm>
           <a:prstGeom prst="rect">
             <a:avLst/>
@@ -9558,7 +9008,7 @@
     </p:spTree>
     <p:extLst>
       <p:ext uri="{BB962C8B-B14F-4D97-AF65-F5344CB8AC3E}">
-        <p14:creationId xmlns:p14="http://schemas.microsoft.com/office/powerpoint/2010/main" val="3642473863"/>
+        <p14:creationId xmlns:p14="http://schemas.microsoft.com/office/powerpoint/2010/main" val="647556872"/>
       </p:ext>
     </p:extLst>
   </p:cSld>
